--- a/Slides/NHibernate/2 - Mapping Concepts.pptx
+++ b/Slides/NHibernate/2 - Mapping Concepts.pptx
@@ -1133,6 +1133,384 @@
       <dsp:cNvGrpSpPr/>
     </dsp:nvGrpSpPr>
     <dsp:grpSpPr/>
+    <dsp:sp modelId="{71200E42-7FD2-4675-9ED0-46E7ADCF973C}">
+      <dsp:nvSpPr>
+        <dsp:cNvPr id="0" name=""/>
+        <dsp:cNvSpPr/>
+      </dsp:nvSpPr>
+      <dsp:spPr>
+        <a:xfrm>
+          <a:off x="5357" y="1551582"/>
+          <a:ext cx="1601390" cy="960834"/>
+        </a:xfrm>
+        <a:prstGeom prst="roundRect">
+          <a:avLst>
+            <a:gd name="adj" fmla="val 10000"/>
+          </a:avLst>
+        </a:prstGeom>
+        <a:solidFill>
+          <a:schemeClr val="accent1">
+            <a:hueOff val="0"/>
+            <a:satOff val="0"/>
+            <a:lumOff val="0"/>
+            <a:alphaOff val="0"/>
+          </a:schemeClr>
+        </a:solidFill>
+        <a:ln w="12700" cap="flat" cmpd="sng" algn="ctr">
+          <a:solidFill>
+            <a:schemeClr val="lt1">
+              <a:hueOff val="0"/>
+              <a:satOff val="0"/>
+              <a:lumOff val="0"/>
+              <a:alphaOff val="0"/>
+            </a:schemeClr>
+          </a:solidFill>
+          <a:prstDash val="solid"/>
+          <a:miter lim="800000"/>
+        </a:ln>
+        <a:effectLst/>
+      </dsp:spPr>
+      <dsp:style>
+        <a:lnRef idx="2">
+          <a:scrgbClr r="0" g="0" b="0"/>
+        </a:lnRef>
+        <a:fillRef idx="1">
+          <a:scrgbClr r="0" g="0" b="0"/>
+        </a:fillRef>
+        <a:effectRef idx="0">
+          <a:scrgbClr r="0" g="0" b="0"/>
+        </a:effectRef>
+        <a:fontRef idx="minor">
+          <a:schemeClr val="lt1"/>
+        </a:fontRef>
+      </dsp:style>
+      <dsp:txBody>
+        <a:bodyPr spcFirstLastPara="0" vert="horz" wrap="square" lIns="95250" tIns="95250" rIns="95250" bIns="95250" numCol="1" spcCol="1270" anchor="ctr" anchorCtr="0">
+          <a:noAutofit/>
+        </a:bodyPr>
+        <a:lstStyle/>
+        <a:p>
+          <a:pPr lvl="0" algn="ctr" defTabSz="1111250">
+            <a:lnSpc>
+              <a:spcPct val="90000"/>
+            </a:lnSpc>
+            <a:spcBef>
+              <a:spcPct val="0"/>
+            </a:spcBef>
+            <a:spcAft>
+              <a:spcPct val="35000"/>
+            </a:spcAft>
+          </a:pPr>
+          <a:r>
+            <a:rPr lang="en-US" sz="2500" kern="1200" dirty="0" smtClean="0"/>
+            <a:t>Class Definition</a:t>
+          </a:r>
+          <a:endParaRPr lang="en-US" sz="2500" kern="1200" dirty="0"/>
+        </a:p>
+      </dsp:txBody>
+      <dsp:txXfrm>
+        <a:off x="33499" y="1579724"/>
+        <a:ext cx="1545106" cy="904550"/>
+      </dsp:txXfrm>
+    </dsp:sp>
+    <dsp:sp modelId="{20A88398-9147-4278-9BDE-76DFB17479C5}">
+      <dsp:nvSpPr>
+        <dsp:cNvPr id="0" name=""/>
+        <dsp:cNvSpPr/>
+      </dsp:nvSpPr>
+      <dsp:spPr>
+        <a:xfrm>
+          <a:off x="1766887" y="1833427"/>
+          <a:ext cx="339494" cy="397144"/>
+        </a:xfrm>
+        <a:prstGeom prst="rightArrow">
+          <a:avLst>
+            <a:gd name="adj1" fmla="val 60000"/>
+            <a:gd name="adj2" fmla="val 50000"/>
+          </a:avLst>
+        </a:prstGeom>
+        <a:solidFill>
+          <a:schemeClr val="accent1">
+            <a:tint val="60000"/>
+            <a:hueOff val="0"/>
+            <a:satOff val="0"/>
+            <a:lumOff val="0"/>
+            <a:alphaOff val="0"/>
+          </a:schemeClr>
+        </a:solidFill>
+        <a:ln>
+          <a:noFill/>
+        </a:ln>
+        <a:effectLst/>
+      </dsp:spPr>
+      <dsp:style>
+        <a:lnRef idx="0">
+          <a:scrgbClr r="0" g="0" b="0"/>
+        </a:lnRef>
+        <a:fillRef idx="1">
+          <a:scrgbClr r="0" g="0" b="0"/>
+        </a:fillRef>
+        <a:effectRef idx="0">
+          <a:scrgbClr r="0" g="0" b="0"/>
+        </a:effectRef>
+        <a:fontRef idx="minor">
+          <a:schemeClr val="lt1"/>
+        </a:fontRef>
+      </dsp:style>
+      <dsp:txBody>
+        <a:bodyPr spcFirstLastPara="0" vert="horz" wrap="square" lIns="0" tIns="0" rIns="0" bIns="0" numCol="1" spcCol="1270" anchor="ctr" anchorCtr="0">
+          <a:noAutofit/>
+        </a:bodyPr>
+        <a:lstStyle/>
+        <a:p>
+          <a:pPr lvl="0" algn="ctr" defTabSz="755650">
+            <a:lnSpc>
+              <a:spcPct val="90000"/>
+            </a:lnSpc>
+            <a:spcBef>
+              <a:spcPct val="0"/>
+            </a:spcBef>
+            <a:spcAft>
+              <a:spcPct val="35000"/>
+            </a:spcAft>
+          </a:pPr>
+          <a:endParaRPr lang="en-US" sz="1700" kern="1200"/>
+        </a:p>
+      </dsp:txBody>
+      <dsp:txXfrm>
+        <a:off x="1766887" y="1912856"/>
+        <a:ext cx="237646" cy="238286"/>
+      </dsp:txXfrm>
+    </dsp:sp>
+    <dsp:sp modelId="{E86DAB8A-DFD0-4DAD-8410-C548EC9CD8D1}">
+      <dsp:nvSpPr>
+        <dsp:cNvPr id="0" name=""/>
+        <dsp:cNvSpPr/>
+      </dsp:nvSpPr>
+      <dsp:spPr>
+        <a:xfrm>
+          <a:off x="2247304" y="1551582"/>
+          <a:ext cx="1601390" cy="960834"/>
+        </a:xfrm>
+        <a:prstGeom prst="roundRect">
+          <a:avLst>
+            <a:gd name="adj" fmla="val 10000"/>
+          </a:avLst>
+        </a:prstGeom>
+        <a:solidFill>
+          <a:schemeClr val="accent1">
+            <a:hueOff val="0"/>
+            <a:satOff val="0"/>
+            <a:lumOff val="0"/>
+            <a:alphaOff val="0"/>
+          </a:schemeClr>
+        </a:solidFill>
+        <a:ln w="12700" cap="flat" cmpd="sng" algn="ctr">
+          <a:solidFill>
+            <a:schemeClr val="lt1">
+              <a:hueOff val="0"/>
+              <a:satOff val="0"/>
+              <a:lumOff val="0"/>
+              <a:alphaOff val="0"/>
+            </a:schemeClr>
+          </a:solidFill>
+          <a:prstDash val="solid"/>
+          <a:miter lim="800000"/>
+        </a:ln>
+        <a:effectLst/>
+      </dsp:spPr>
+      <dsp:style>
+        <a:lnRef idx="2">
+          <a:scrgbClr r="0" g="0" b="0"/>
+        </a:lnRef>
+        <a:fillRef idx="1">
+          <a:scrgbClr r="0" g="0" b="0"/>
+        </a:fillRef>
+        <a:effectRef idx="0">
+          <a:scrgbClr r="0" g="0" b="0"/>
+        </a:effectRef>
+        <a:fontRef idx="minor">
+          <a:schemeClr val="lt1"/>
+        </a:fontRef>
+      </dsp:style>
+      <dsp:txBody>
+        <a:bodyPr spcFirstLastPara="0" vert="horz" wrap="square" lIns="95250" tIns="95250" rIns="95250" bIns="95250" numCol="1" spcCol="1270" anchor="ctr" anchorCtr="0">
+          <a:noAutofit/>
+        </a:bodyPr>
+        <a:lstStyle/>
+        <a:p>
+          <a:pPr lvl="0" algn="ctr" defTabSz="1111250">
+            <a:lnSpc>
+              <a:spcPct val="90000"/>
+            </a:lnSpc>
+            <a:spcBef>
+              <a:spcPct val="0"/>
+            </a:spcBef>
+            <a:spcAft>
+              <a:spcPct val="35000"/>
+            </a:spcAft>
+          </a:pPr>
+          <a:r>
+            <a:rPr lang="en-US" sz="2500" kern="1200" dirty="0" smtClean="0"/>
+            <a:t>Metadata Mapping</a:t>
+          </a:r>
+          <a:endParaRPr lang="en-US" sz="2500" kern="1200" dirty="0"/>
+        </a:p>
+      </dsp:txBody>
+      <dsp:txXfrm>
+        <a:off x="2275446" y="1579724"/>
+        <a:ext cx="1545106" cy="904550"/>
+      </dsp:txXfrm>
+    </dsp:sp>
+    <dsp:sp modelId="{8CA12A97-70D8-4AF1-9F6D-8EFDA6C1DBE2}">
+      <dsp:nvSpPr>
+        <dsp:cNvPr id="0" name=""/>
+        <dsp:cNvSpPr/>
+      </dsp:nvSpPr>
+      <dsp:spPr>
+        <a:xfrm>
+          <a:off x="4008834" y="1833427"/>
+          <a:ext cx="339494" cy="397144"/>
+        </a:xfrm>
+        <a:prstGeom prst="rightArrow">
+          <a:avLst>
+            <a:gd name="adj1" fmla="val 60000"/>
+            <a:gd name="adj2" fmla="val 50000"/>
+          </a:avLst>
+        </a:prstGeom>
+        <a:solidFill>
+          <a:schemeClr val="accent1">
+            <a:tint val="60000"/>
+            <a:hueOff val="0"/>
+            <a:satOff val="0"/>
+            <a:lumOff val="0"/>
+            <a:alphaOff val="0"/>
+          </a:schemeClr>
+        </a:solidFill>
+        <a:ln>
+          <a:noFill/>
+        </a:ln>
+        <a:effectLst/>
+      </dsp:spPr>
+      <dsp:style>
+        <a:lnRef idx="0">
+          <a:scrgbClr r="0" g="0" b="0"/>
+        </a:lnRef>
+        <a:fillRef idx="1">
+          <a:scrgbClr r="0" g="0" b="0"/>
+        </a:fillRef>
+        <a:effectRef idx="0">
+          <a:scrgbClr r="0" g="0" b="0"/>
+        </a:effectRef>
+        <a:fontRef idx="minor">
+          <a:schemeClr val="lt1"/>
+        </a:fontRef>
+      </dsp:style>
+      <dsp:txBody>
+        <a:bodyPr spcFirstLastPara="0" vert="horz" wrap="square" lIns="0" tIns="0" rIns="0" bIns="0" numCol="1" spcCol="1270" anchor="ctr" anchorCtr="0">
+          <a:noAutofit/>
+        </a:bodyPr>
+        <a:lstStyle/>
+        <a:p>
+          <a:pPr lvl="0" algn="ctr" defTabSz="755650">
+            <a:lnSpc>
+              <a:spcPct val="90000"/>
+            </a:lnSpc>
+            <a:spcBef>
+              <a:spcPct val="0"/>
+            </a:spcBef>
+            <a:spcAft>
+              <a:spcPct val="35000"/>
+            </a:spcAft>
+          </a:pPr>
+          <a:endParaRPr lang="en-US" sz="1700" kern="1200"/>
+        </a:p>
+      </dsp:txBody>
+      <dsp:txXfrm>
+        <a:off x="4008834" y="1912856"/>
+        <a:ext cx="237646" cy="238286"/>
+      </dsp:txXfrm>
+    </dsp:sp>
+    <dsp:sp modelId="{E6A5F267-200F-45CF-A34D-B74E3CB2F0C6}">
+      <dsp:nvSpPr>
+        <dsp:cNvPr id="0" name=""/>
+        <dsp:cNvSpPr/>
+      </dsp:nvSpPr>
+      <dsp:spPr>
+        <a:xfrm>
+          <a:off x="4489251" y="1551582"/>
+          <a:ext cx="1601390" cy="960834"/>
+        </a:xfrm>
+        <a:prstGeom prst="roundRect">
+          <a:avLst>
+            <a:gd name="adj" fmla="val 10000"/>
+          </a:avLst>
+        </a:prstGeom>
+        <a:solidFill>
+          <a:schemeClr val="accent1">
+            <a:hueOff val="0"/>
+            <a:satOff val="0"/>
+            <a:lumOff val="0"/>
+            <a:alphaOff val="0"/>
+          </a:schemeClr>
+        </a:solidFill>
+        <a:ln w="12700" cap="flat" cmpd="sng" algn="ctr">
+          <a:solidFill>
+            <a:schemeClr val="lt1">
+              <a:hueOff val="0"/>
+              <a:satOff val="0"/>
+              <a:lumOff val="0"/>
+              <a:alphaOff val="0"/>
+            </a:schemeClr>
+          </a:solidFill>
+          <a:prstDash val="solid"/>
+          <a:miter lim="800000"/>
+        </a:ln>
+        <a:effectLst/>
+      </dsp:spPr>
+      <dsp:style>
+        <a:lnRef idx="2">
+          <a:scrgbClr r="0" g="0" b="0"/>
+        </a:lnRef>
+        <a:fillRef idx="1">
+          <a:scrgbClr r="0" g="0" b="0"/>
+        </a:fillRef>
+        <a:effectRef idx="0">
+          <a:scrgbClr r="0" g="0" b="0"/>
+        </a:effectRef>
+        <a:fontRef idx="minor">
+          <a:schemeClr val="lt1"/>
+        </a:fontRef>
+      </dsp:style>
+      <dsp:txBody>
+        <a:bodyPr spcFirstLastPara="0" vert="horz" wrap="square" lIns="95250" tIns="95250" rIns="95250" bIns="95250" numCol="1" spcCol="1270" anchor="ctr" anchorCtr="0">
+          <a:noAutofit/>
+        </a:bodyPr>
+        <a:lstStyle/>
+        <a:p>
+          <a:pPr lvl="0" algn="ctr" defTabSz="1111250">
+            <a:lnSpc>
+              <a:spcPct val="90000"/>
+            </a:lnSpc>
+            <a:spcBef>
+              <a:spcPct val="0"/>
+            </a:spcBef>
+            <a:spcAft>
+              <a:spcPct val="35000"/>
+            </a:spcAft>
+          </a:pPr>
+          <a:r>
+            <a:rPr lang="en-US" sz="2500" kern="1200" dirty="0" smtClean="0"/>
+            <a:t>Database Schema</a:t>
+          </a:r>
+          <a:endParaRPr lang="en-US" sz="2500" kern="1200" dirty="0"/>
+        </a:p>
+      </dsp:txBody>
+      <dsp:txXfrm>
+        <a:off x="4517393" y="1579724"/>
+        <a:ext cx="1545106" cy="904550"/>
+      </dsp:txXfrm>
+    </dsp:sp>
   </dsp:spTree>
 </dsp:drawing>
 </file>
@@ -2448,7 +2826,7 @@
           <a:p>
             <a:fld id="{A254CC92-A4AB-4748-8201-8CC8FC025F54}" type="datetimeFigureOut">
               <a:rPr lang="en-US" smtClean="0"/>
-              <a:t>1/31/2015</a:t>
+              <a:t>2/3/2015</a:t>
             </a:fld>
             <a:endParaRPr lang="en-US"/>
           </a:p>
@@ -2618,7 +2996,7 @@
           <a:p>
             <a:fld id="{A254CC92-A4AB-4748-8201-8CC8FC025F54}" type="datetimeFigureOut">
               <a:rPr lang="en-US" smtClean="0"/>
-              <a:t>1/31/2015</a:t>
+              <a:t>2/3/2015</a:t>
             </a:fld>
             <a:endParaRPr lang="en-US"/>
           </a:p>
@@ -2798,7 +3176,7 @@
           <a:p>
             <a:fld id="{A254CC92-A4AB-4748-8201-8CC8FC025F54}" type="datetimeFigureOut">
               <a:rPr lang="en-US" smtClean="0"/>
-              <a:t>1/31/2015</a:t>
+              <a:t>2/3/2015</a:t>
             </a:fld>
             <a:endParaRPr lang="en-US"/>
           </a:p>
@@ -2968,7 +3346,7 @@
           <a:p>
             <a:fld id="{A254CC92-A4AB-4748-8201-8CC8FC025F54}" type="datetimeFigureOut">
               <a:rPr lang="en-US" smtClean="0"/>
-              <a:t>1/31/2015</a:t>
+              <a:t>2/3/2015</a:t>
             </a:fld>
             <a:endParaRPr lang="en-US"/>
           </a:p>
@@ -3212,7 +3590,7 @@
           <a:p>
             <a:fld id="{A254CC92-A4AB-4748-8201-8CC8FC025F54}" type="datetimeFigureOut">
               <a:rPr lang="en-US" smtClean="0"/>
-              <a:t>1/31/2015</a:t>
+              <a:t>2/3/2015</a:t>
             </a:fld>
             <a:endParaRPr lang="en-US"/>
           </a:p>
@@ -3444,7 +3822,7 @@
           <a:p>
             <a:fld id="{A254CC92-A4AB-4748-8201-8CC8FC025F54}" type="datetimeFigureOut">
               <a:rPr lang="en-US" smtClean="0"/>
-              <a:t>1/31/2015</a:t>
+              <a:t>2/3/2015</a:t>
             </a:fld>
             <a:endParaRPr lang="en-US"/>
           </a:p>
@@ -3811,7 +4189,7 @@
           <a:p>
             <a:fld id="{A254CC92-A4AB-4748-8201-8CC8FC025F54}" type="datetimeFigureOut">
               <a:rPr lang="en-US" smtClean="0"/>
-              <a:t>1/31/2015</a:t>
+              <a:t>2/3/2015</a:t>
             </a:fld>
             <a:endParaRPr lang="en-US"/>
           </a:p>
@@ -3929,7 +4307,7 @@
           <a:p>
             <a:fld id="{A254CC92-A4AB-4748-8201-8CC8FC025F54}" type="datetimeFigureOut">
               <a:rPr lang="en-US" smtClean="0"/>
-              <a:t>1/31/2015</a:t>
+              <a:t>2/3/2015</a:t>
             </a:fld>
             <a:endParaRPr lang="en-US"/>
           </a:p>
@@ -4024,7 +4402,7 @@
           <a:p>
             <a:fld id="{A254CC92-A4AB-4748-8201-8CC8FC025F54}" type="datetimeFigureOut">
               <a:rPr lang="en-US" smtClean="0"/>
-              <a:t>1/31/2015</a:t>
+              <a:t>2/3/2015</a:t>
             </a:fld>
             <a:endParaRPr lang="en-US"/>
           </a:p>
@@ -4301,7 +4679,7 @@
           <a:p>
             <a:fld id="{A254CC92-A4AB-4748-8201-8CC8FC025F54}" type="datetimeFigureOut">
               <a:rPr lang="en-US" smtClean="0"/>
-              <a:t>1/31/2015</a:t>
+              <a:t>2/3/2015</a:t>
             </a:fld>
             <a:endParaRPr lang="en-US"/>
           </a:p>
@@ -4558,7 +4936,7 @@
           <a:p>
             <a:fld id="{A254CC92-A4AB-4748-8201-8CC8FC025F54}" type="datetimeFigureOut">
               <a:rPr lang="en-US" smtClean="0"/>
-              <a:t>1/31/2015</a:t>
+              <a:t>2/3/2015</a:t>
             </a:fld>
             <a:endParaRPr lang="en-US"/>
           </a:p>
@@ -4771,7 +5149,7 @@
           <a:p>
             <a:fld id="{A254CC92-A4AB-4748-8201-8CC8FC025F54}" type="datetimeFigureOut">
               <a:rPr lang="en-US" smtClean="0"/>
-              <a:t>1/31/2015</a:t>
+              <a:t>2/3/2015</a:t>
             </a:fld>
             <a:endParaRPr lang="en-US"/>
           </a:p>
@@ -5390,7 +5768,7 @@
         </p:blipFill>
         <p:spPr>
           <a:xfrm>
-            <a:off x="6810375" y="2620761"/>
+            <a:off x="6717069" y="2690813"/>
             <a:ext cx="2247900" cy="4057650"/>
           </a:xfrm>
           <a:prstGeom prst="rect">
@@ -7207,11 +7585,7 @@
           <a:p>
             <a:r>
               <a:rPr lang="en-US" dirty="0" smtClean="0"/>
-              <a:t>Components map into columns on </a:t>
-            </a:r>
-            <a:r>
-              <a:rPr lang="en-US" dirty="0" smtClean="0"/>
-              <a:t>owners</a:t>
+              <a:t>Components map into columns on owners</a:t>
             </a:r>
           </a:p>
           <a:p>
@@ -8593,7 +8967,11 @@
           <a:p>
             <a:r>
               <a:rPr lang="en-US" dirty="0" smtClean="0"/>
-              <a:t>We are not going to use them…</a:t>
+              <a:t>We are not going to use </a:t>
+            </a:r>
+            <a:r>
+              <a:rPr lang="en-US" dirty="0" smtClean="0"/>
+              <a:t>them in our examples</a:t>
             </a:r>
             <a:endParaRPr lang="en-US" dirty="0"/>
           </a:p>
